--- a/class-work/optimization/project 1/slides.pptx
+++ b/class-work/optimization/project 1/slides.pptx
@@ -194,7 +194,7 @@
 
 <file path=ppt/comments/modernComment_149_80A4E268.xml><?xml version="1.0" encoding="utf-8"?>
 <p188:cmLst xmlns:a="http://schemas.openxmlformats.org/drawingml/2006/main" xmlns:r="http://schemas.openxmlformats.org/officeDocument/2006/relationships" xmlns:p188="http://schemas.microsoft.com/office/powerpoint/2018/8/main">
-  <p188:cm id="{186EB7EB-6ED9-44FF-AD8E-BA42804A9CE2}" authorId="{8534D905-23E5-E736-57D3-B7B0D5814F9C}" created="2023-02-24T21:16:47.853">
+  <p188:cm id="{186EB7EB-6ED9-44FF-AD8E-BA42804A9CE2}" authorId="{8534D905-23E5-E736-57D3-B7B0D5814F9C}" status="resolved" created="2023-02-24T21:16:47.853" complete="100000">
     <pc:sldMkLst xmlns:pc="http://schemas.microsoft.com/office/powerpoint/2013/main/command">
       <pc:docMk/>
       <pc:sldMk cId="2158289512" sldId="329"/>
@@ -3898,7 +3898,7 @@
                   <a:schemeClr val="tx1"/>
                 </a:solidFill>
               </a:rPr>
-              <a:t>Alex Beyer, Ella Vincente</a:t>
+              <a:t>Alex Beyer, Ella Vicente</a:t>
             </a:r>
           </a:p>
           <a:p>
@@ -3982,7 +3982,7 @@
                   <a:schemeClr val="tx1"/>
                 </a:solidFill>
               </a:rPr>
-              <a:t>gvincente</a:t>
+              <a:t>gvicente</a:t>
             </a:r>
             <a:r>
               <a:rPr lang="en-US" sz="2000" dirty="0">
@@ -4057,16 +4057,7 @@
                 </a:solidFill>
                 <a:latin typeface="Arial" charset="0"/>
               </a:rPr>
-              <a:t>Formulations and </a:t>
-            </a:r>
-            <a:r>
-              <a:rPr lang="en-US" sz="3200" b="1" u="none" dirty="0" err="1">
-                <a:solidFill>
-                  <a:srgbClr val="3333FF"/>
-                </a:solidFill>
-                <a:latin typeface="Arial" charset="0"/>
-              </a:rPr>
-              <a:t>Mehtods</a:t>
+              <a:t>Formulations and Methods</a:t>
             </a:r>
             <a:endParaRPr lang="en-US" sz="3200" b="1" dirty="0">
               <a:solidFill>
